--- a/imagesEurovis2018/Usecase2.pptx
+++ b/imagesEurovis2018/Usecase2.pptx
@@ -243,7 +243,7 @@
           <a:p>
             <a:fld id="{04689A5A-94D1-7E45-B099-E10FE018B022}" type="datetimeFigureOut">
               <a:rPr lang="en-US" smtClean="0"/>
-              <a:t>12/14/17</a:t>
+              <a:t>4/20/18</a:t>
             </a:fld>
             <a:endParaRPr lang="en-US"/>
           </a:p>
@@ -413,7 +413,7 @@
           <a:p>
             <a:fld id="{04689A5A-94D1-7E45-B099-E10FE018B022}" type="datetimeFigureOut">
               <a:rPr lang="en-US" smtClean="0"/>
-              <a:t>12/14/17</a:t>
+              <a:t>4/20/18</a:t>
             </a:fld>
             <a:endParaRPr lang="en-US"/>
           </a:p>
@@ -593,7 +593,7 @@
           <a:p>
             <a:fld id="{04689A5A-94D1-7E45-B099-E10FE018B022}" type="datetimeFigureOut">
               <a:rPr lang="en-US" smtClean="0"/>
-              <a:t>12/14/17</a:t>
+              <a:t>4/20/18</a:t>
             </a:fld>
             <a:endParaRPr lang="en-US"/>
           </a:p>
@@ -763,7 +763,7 @@
           <a:p>
             <a:fld id="{04689A5A-94D1-7E45-B099-E10FE018B022}" type="datetimeFigureOut">
               <a:rPr lang="en-US" smtClean="0"/>
-              <a:t>12/14/17</a:t>
+              <a:t>4/20/18</a:t>
             </a:fld>
             <a:endParaRPr lang="en-US"/>
           </a:p>
@@ -1009,7 +1009,7 @@
           <a:p>
             <a:fld id="{04689A5A-94D1-7E45-B099-E10FE018B022}" type="datetimeFigureOut">
               <a:rPr lang="en-US" smtClean="0"/>
-              <a:t>12/14/17</a:t>
+              <a:t>4/20/18</a:t>
             </a:fld>
             <a:endParaRPr lang="en-US"/>
           </a:p>
@@ -1241,7 +1241,7 @@
           <a:p>
             <a:fld id="{04689A5A-94D1-7E45-B099-E10FE018B022}" type="datetimeFigureOut">
               <a:rPr lang="en-US" smtClean="0"/>
-              <a:t>12/14/17</a:t>
+              <a:t>4/20/18</a:t>
             </a:fld>
             <a:endParaRPr lang="en-US"/>
           </a:p>
@@ -1608,7 +1608,7 @@
           <a:p>
             <a:fld id="{04689A5A-94D1-7E45-B099-E10FE018B022}" type="datetimeFigureOut">
               <a:rPr lang="en-US" smtClean="0"/>
-              <a:t>12/14/17</a:t>
+              <a:t>4/20/18</a:t>
             </a:fld>
             <a:endParaRPr lang="en-US"/>
           </a:p>
@@ -1726,7 +1726,7 @@
           <a:p>
             <a:fld id="{04689A5A-94D1-7E45-B099-E10FE018B022}" type="datetimeFigureOut">
               <a:rPr lang="en-US" smtClean="0"/>
-              <a:t>12/14/17</a:t>
+              <a:t>4/20/18</a:t>
             </a:fld>
             <a:endParaRPr lang="en-US"/>
           </a:p>
@@ -1821,7 +1821,7 @@
           <a:p>
             <a:fld id="{04689A5A-94D1-7E45-B099-E10FE018B022}" type="datetimeFigureOut">
               <a:rPr lang="en-US" smtClean="0"/>
-              <a:t>12/14/17</a:t>
+              <a:t>4/20/18</a:t>
             </a:fld>
             <a:endParaRPr lang="en-US"/>
           </a:p>
@@ -2098,7 +2098,7 @@
           <a:p>
             <a:fld id="{04689A5A-94D1-7E45-B099-E10FE018B022}" type="datetimeFigureOut">
               <a:rPr lang="en-US" smtClean="0"/>
-              <a:t>12/14/17</a:t>
+              <a:t>4/20/18</a:t>
             </a:fld>
             <a:endParaRPr lang="en-US"/>
           </a:p>
@@ -2351,7 +2351,7 @@
           <a:p>
             <a:fld id="{04689A5A-94D1-7E45-B099-E10FE018B022}" type="datetimeFigureOut">
               <a:rPr lang="en-US" smtClean="0"/>
-              <a:t>12/14/17</a:t>
+              <a:t>4/20/18</a:t>
             </a:fld>
             <a:endParaRPr lang="en-US"/>
           </a:p>
@@ -2564,7 +2564,7 @@
           <a:p>
             <a:fld id="{04689A5A-94D1-7E45-B099-E10FE018B022}" type="datetimeFigureOut">
               <a:rPr lang="en-US" smtClean="0"/>
-              <a:t>12/14/17</a:t>
+              <a:t>4/20/18</a:t>
             </a:fld>
             <a:endParaRPr lang="en-US"/>
           </a:p>
@@ -3006,9 +3006,9 @@
           <p:nvPr/>
         </p:nvCxnSpPr>
         <p:spPr>
-          <a:xfrm>
-            <a:off x="2231136" y="3300984"/>
-            <a:ext cx="1133856" cy="10786"/>
+          <a:xfrm flipV="1">
+            <a:off x="2924175" y="3311770"/>
+            <a:ext cx="507492" cy="2930"/>
           </a:xfrm>
           <a:prstGeom prst="straightConnector1">
             <a:avLst/>
@@ -3050,8 +3050,8 @@
         </p:nvCxnSpPr>
         <p:spPr>
           <a:xfrm>
-            <a:off x="1362456" y="2651760"/>
-            <a:ext cx="2185416" cy="9144"/>
+            <a:off x="2762250" y="2657475"/>
+            <a:ext cx="785622" cy="3429"/>
           </a:xfrm>
           <a:prstGeom prst="straightConnector1">
             <a:avLst/>

--- a/imagesEurovis2018/Usecase2.pptx
+++ b/imagesEurovis2018/Usecase2.pptx
@@ -243,7 +243,7 @@
           <a:p>
             <a:fld id="{04689A5A-94D1-7E45-B099-E10FE018B022}" type="datetimeFigureOut">
               <a:rPr lang="en-US" smtClean="0"/>
-              <a:t>4/20/18</a:t>
+              <a:t>12/14/17</a:t>
             </a:fld>
             <a:endParaRPr lang="en-US"/>
           </a:p>
@@ -413,7 +413,7 @@
           <a:p>
             <a:fld id="{04689A5A-94D1-7E45-B099-E10FE018B022}" type="datetimeFigureOut">
               <a:rPr lang="en-US" smtClean="0"/>
-              <a:t>4/20/18</a:t>
+              <a:t>12/14/17</a:t>
             </a:fld>
             <a:endParaRPr lang="en-US"/>
           </a:p>
@@ -593,7 +593,7 @@
           <a:p>
             <a:fld id="{04689A5A-94D1-7E45-B099-E10FE018B022}" type="datetimeFigureOut">
               <a:rPr lang="en-US" smtClean="0"/>
-              <a:t>4/20/18</a:t>
+              <a:t>12/14/17</a:t>
             </a:fld>
             <a:endParaRPr lang="en-US"/>
           </a:p>
@@ -763,7 +763,7 @@
           <a:p>
             <a:fld id="{04689A5A-94D1-7E45-B099-E10FE018B022}" type="datetimeFigureOut">
               <a:rPr lang="en-US" smtClean="0"/>
-              <a:t>4/20/18</a:t>
+              <a:t>12/14/17</a:t>
             </a:fld>
             <a:endParaRPr lang="en-US"/>
           </a:p>
@@ -1009,7 +1009,7 @@
           <a:p>
             <a:fld id="{04689A5A-94D1-7E45-B099-E10FE018B022}" type="datetimeFigureOut">
               <a:rPr lang="en-US" smtClean="0"/>
-              <a:t>4/20/18</a:t>
+              <a:t>12/14/17</a:t>
             </a:fld>
             <a:endParaRPr lang="en-US"/>
           </a:p>
@@ -1241,7 +1241,7 @@
           <a:p>
             <a:fld id="{04689A5A-94D1-7E45-B099-E10FE018B022}" type="datetimeFigureOut">
               <a:rPr lang="en-US" smtClean="0"/>
-              <a:t>4/20/18</a:t>
+              <a:t>12/14/17</a:t>
             </a:fld>
             <a:endParaRPr lang="en-US"/>
           </a:p>
@@ -1608,7 +1608,7 @@
           <a:p>
             <a:fld id="{04689A5A-94D1-7E45-B099-E10FE018B022}" type="datetimeFigureOut">
               <a:rPr lang="en-US" smtClean="0"/>
-              <a:t>4/20/18</a:t>
+              <a:t>12/14/17</a:t>
             </a:fld>
             <a:endParaRPr lang="en-US"/>
           </a:p>
@@ -1726,7 +1726,7 @@
           <a:p>
             <a:fld id="{04689A5A-94D1-7E45-B099-E10FE018B022}" type="datetimeFigureOut">
               <a:rPr lang="en-US" smtClean="0"/>
-              <a:t>4/20/18</a:t>
+              <a:t>12/14/17</a:t>
             </a:fld>
             <a:endParaRPr lang="en-US"/>
           </a:p>
@@ -1821,7 +1821,7 @@
           <a:p>
             <a:fld id="{04689A5A-94D1-7E45-B099-E10FE018B022}" type="datetimeFigureOut">
               <a:rPr lang="en-US" smtClean="0"/>
-              <a:t>4/20/18</a:t>
+              <a:t>12/14/17</a:t>
             </a:fld>
             <a:endParaRPr lang="en-US"/>
           </a:p>
@@ -2098,7 +2098,7 @@
           <a:p>
             <a:fld id="{04689A5A-94D1-7E45-B099-E10FE018B022}" type="datetimeFigureOut">
               <a:rPr lang="en-US" smtClean="0"/>
-              <a:t>4/20/18</a:t>
+              <a:t>12/14/17</a:t>
             </a:fld>
             <a:endParaRPr lang="en-US"/>
           </a:p>
@@ -2351,7 +2351,7 @@
           <a:p>
             <a:fld id="{04689A5A-94D1-7E45-B099-E10FE018B022}" type="datetimeFigureOut">
               <a:rPr lang="en-US" smtClean="0"/>
-              <a:t>4/20/18</a:t>
+              <a:t>12/14/17</a:t>
             </a:fld>
             <a:endParaRPr lang="en-US"/>
           </a:p>
@@ -2564,7 +2564,7 @@
           <a:p>
             <a:fld id="{04689A5A-94D1-7E45-B099-E10FE018B022}" type="datetimeFigureOut">
               <a:rPr lang="en-US" smtClean="0"/>
-              <a:t>4/20/18</a:t>
+              <a:t>12/14/17</a:t>
             </a:fld>
             <a:endParaRPr lang="en-US"/>
           </a:p>
@@ -3006,9 +3006,9 @@
           <p:nvPr/>
         </p:nvCxnSpPr>
         <p:spPr>
-          <a:xfrm flipV="1">
-            <a:off x="2924175" y="3311770"/>
-            <a:ext cx="507492" cy="2930"/>
+          <a:xfrm>
+            <a:off x="2231136" y="3300984"/>
+            <a:ext cx="1133856" cy="10786"/>
           </a:xfrm>
           <a:prstGeom prst="straightConnector1">
             <a:avLst/>
@@ -3050,8 +3050,8 @@
         </p:nvCxnSpPr>
         <p:spPr>
           <a:xfrm>
-            <a:off x="2762250" y="2657475"/>
-            <a:ext cx="785622" cy="3429"/>
+            <a:off x="1362456" y="2651760"/>
+            <a:ext cx="2185416" cy="9144"/>
           </a:xfrm>
           <a:prstGeom prst="straightConnector1">
             <a:avLst/>
